--- a/pom ppt.pptx
+++ b/pom ppt.pptx
@@ -9179,21 +9179,7 @@
                 <a:latin typeface="Times New Roman" panose="02020603050405020304" pitchFamily="18" charset="0"/>
                 <a:cs typeface="Times New Roman" panose="02020603050405020304" pitchFamily="18" charset="0"/>
               </a:rPr>
-              <a:t>The gaming industry in India is on a roll. Traditional games are gradually being replaced by video games, which has a direct effect on how internet users spend their free </a:t>
-            </a:r>
-            <a:r>
-              <a:rPr lang="en-IN" dirty="0" err="1">
-                <a:latin typeface="Times New Roman" panose="02020603050405020304" pitchFamily="18" charset="0"/>
-                <a:cs typeface="Times New Roman" panose="02020603050405020304" pitchFamily="18" charset="0"/>
-              </a:rPr>
-              <a:t>time.The</a:t>
-            </a:r>
-            <a:r>
-              <a:rPr lang="en-IN" dirty="0">
-                <a:latin typeface="Times New Roman" panose="02020603050405020304" pitchFamily="18" charset="0"/>
-                <a:cs typeface="Times New Roman" panose="02020603050405020304" pitchFamily="18" charset="0"/>
-              </a:rPr>
-              <a:t> availability of platform and game distribution systems is a key factor in the explosion in online gaming interest. The rising popularity of online games has given birth to a new industry. In recent years, the gaming industry, which includes innovative professionals, has risen to prominence .The gaming industry is expanding as per capita income grows, interest rises, and the number of dual-income household rises, all of which are contributing to the market. The market is expected to expand rapidly in the future, thanks to increased use of smartphones and consoles, as well as cloud penetration. Also, because of the recent COVID-19 outbreak, the industry is seeing rapid growth in terms of users and games downloaded. This research paper focuses on the subject of the evolution and growth of the gaming industry in India by identifying, characterizing and addressing the changes that have led to the development of gaming industry in India.</a:t>
+              <a:t>The gaming industry in India is on a roll. Traditional games are gradually being replaced by video games, which has a direct effect on how internet users spend their free time . The availability of platform and game distribution systems is a key factor in the explosion in online gaming interest. The rising popularity of online games has given birth to a new industry. In recent years, the gaming industry, which includes innovative professionals, has risen to prominence .The gaming industry is expanding as per capita income grows, interest rises, and the number of dual-income household rises, all of which are contributing to the market. The market is expected to expand rapidly in the future, thanks to increased use of smartphones and consoles, as well as cloud penetration. Also, because of the recent COVID-19 outbreak, the industry is seeing rapid growth in terms of users and games downloaded. This research paper focuses on the subject of the evolution and growth of the gaming industry in India by identifying, characterizing and addressing the changes that have led to the development of gaming industry in India.</a:t>
             </a:r>
           </a:p>
         </p:txBody>
